--- a/Blueberry Presentation.pptx
+++ b/Blueberry Presentation.pptx
@@ -109,6 +109,22 @@
       </a:defRPr>
     </a:lvl9pPr>
   </p:defaultTextStyle>
+  <p:extLst>
+    <p:ext uri="{EFAFB233-063F-42B5-8137-9DF3F51BA10A}">
+      <p15:sldGuideLst xmlns:p15="http://schemas.microsoft.com/office/powerpoint/2012/main">
+        <p15:guide id="1" orient="horz" pos="2160">
+          <p15:clr>
+            <a:srgbClr val="A4A3A4"/>
+          </p15:clr>
+        </p15:guide>
+        <p15:guide id="2" pos="2880">
+          <p15:clr>
+            <a:srgbClr val="A4A3A4"/>
+          </p15:clr>
+        </p15:guide>
+      </p15:sldGuideLst>
+    </p:ext>
+  </p:extLst>
 </p:presentation>
 </file>
 
@@ -403,7 +419,7 @@
             <a:fld id="{7DCCC22A-1A2B-4565-8FDC-2444EDFDDA2C}" type="datetimeFigureOut">
               <a:rPr lang="bg-BG" smtClean="0"/>
               <a:pPr/>
-              <a:t>7.4.2015 г.</a:t>
+              <a:t>8.4.2015 г.</a:t>
             </a:fld>
             <a:endParaRPr lang="bg-BG"/>
           </a:p>
@@ -570,7 +586,7 @@
             <a:fld id="{7DCCC22A-1A2B-4565-8FDC-2444EDFDDA2C}" type="datetimeFigureOut">
               <a:rPr lang="bg-BG" smtClean="0"/>
               <a:pPr/>
-              <a:t>7.4.2015 г.</a:t>
+              <a:t>8.4.2015 г.</a:t>
             </a:fld>
             <a:endParaRPr lang="bg-BG"/>
           </a:p>
@@ -747,7 +763,7 @@
             <a:fld id="{7DCCC22A-1A2B-4565-8FDC-2444EDFDDA2C}" type="datetimeFigureOut">
               <a:rPr lang="bg-BG" smtClean="0"/>
               <a:pPr/>
-              <a:t>7.4.2015 г.</a:t>
+              <a:t>8.4.2015 г.</a:t>
             </a:fld>
             <a:endParaRPr lang="bg-BG"/>
           </a:p>
@@ -896,7 +912,7 @@
             <a:fld id="{7DCCC22A-1A2B-4565-8FDC-2444EDFDDA2C}" type="datetimeFigureOut">
               <a:rPr lang="bg-BG" smtClean="0"/>
               <a:pPr/>
-              <a:t>7.4.2015 г.</a:t>
+              <a:t>8.4.2015 г.</a:t>
             </a:fld>
             <a:endParaRPr lang="bg-BG"/>
           </a:p>
@@ -1015,7 +1031,7 @@
             <a:fld id="{7DCCC22A-1A2B-4565-8FDC-2444EDFDDA2C}" type="datetimeFigureOut">
               <a:rPr lang="bg-BG" smtClean="0"/>
               <a:pPr/>
-              <a:t>7.4.2015 г.</a:t>
+              <a:t>8.4.2015 г.</a:t>
             </a:fld>
             <a:endParaRPr lang="bg-BG"/>
           </a:p>
@@ -1287,7 +1303,7 @@
             <a:fld id="{7DCCC22A-1A2B-4565-8FDC-2444EDFDDA2C}" type="datetimeFigureOut">
               <a:rPr lang="bg-BG" smtClean="0"/>
               <a:pPr/>
-              <a:t>7.4.2015 г.</a:t>
+              <a:t>8.4.2015 г.</a:t>
             </a:fld>
             <a:endParaRPr lang="bg-BG"/>
           </a:p>
@@ -1559,7 +1575,7 @@
             <a:fld id="{7DCCC22A-1A2B-4565-8FDC-2444EDFDDA2C}" type="datetimeFigureOut">
               <a:rPr lang="bg-BG" smtClean="0"/>
               <a:pPr/>
-              <a:t>7.4.2015 г.</a:t>
+              <a:t>8.4.2015 г.</a:t>
             </a:fld>
             <a:endParaRPr lang="bg-BG"/>
           </a:p>
@@ -2007,7 +2023,7 @@
             <a:fld id="{7DCCC22A-1A2B-4565-8FDC-2444EDFDDA2C}" type="datetimeFigureOut">
               <a:rPr lang="bg-BG" smtClean="0"/>
               <a:pPr/>
-              <a:t>7.4.2015 г.</a:t>
+              <a:t>8.4.2015 г.</a:t>
             </a:fld>
             <a:endParaRPr lang="bg-BG"/>
           </a:p>
@@ -2122,7 +2138,7 @@
             <a:fld id="{7DCCC22A-1A2B-4565-8FDC-2444EDFDDA2C}" type="datetimeFigureOut">
               <a:rPr lang="bg-BG" smtClean="0"/>
               <a:pPr/>
-              <a:t>7.4.2015 г.</a:t>
+              <a:t>8.4.2015 г.</a:t>
             </a:fld>
             <a:endParaRPr lang="bg-BG"/>
           </a:p>
@@ -2374,7 +2390,7 @@
             <a:fld id="{7DCCC22A-1A2B-4565-8FDC-2444EDFDDA2C}" type="datetimeFigureOut">
               <a:rPr lang="bg-BG" smtClean="0"/>
               <a:pPr/>
-              <a:t>7.4.2015 г.</a:t>
+              <a:t>8.4.2015 г.</a:t>
             </a:fld>
             <a:endParaRPr lang="bg-BG"/>
           </a:p>
@@ -2616,7 +2632,7 @@
             <a:fld id="{7DCCC22A-1A2B-4565-8FDC-2444EDFDDA2C}" type="datetimeFigureOut">
               <a:rPr lang="bg-BG" smtClean="0"/>
               <a:pPr/>
-              <a:t>7.4.2015 г.</a:t>
+              <a:t>8.4.2015 г.</a:t>
             </a:fld>
             <a:endParaRPr lang="bg-BG"/>
           </a:p>
@@ -2796,7 +2812,7 @@
             <a:fld id="{7DCCC22A-1A2B-4565-8FDC-2444EDFDDA2C}" type="datetimeFigureOut">
               <a:rPr lang="bg-BG" smtClean="0"/>
               <a:pPr/>
-              <a:t>7.4.2015 г.</a:t>
+              <a:t>8.4.2015 г.</a:t>
             </a:fld>
             <a:endParaRPr lang="bg-BG"/>
           </a:p>
@@ -3866,11 +3882,11 @@
           <a:p>
             <a:r>
               <a:rPr lang="bg-BG" sz="4000" dirty="0" smtClean="0"/>
-              <a:t>H</a:t>
+              <a:t>How does it </a:t>
             </a:r>
             <a:r>
               <a:rPr lang="bg-BG" sz="4000" dirty="0" smtClean="0"/>
-              <a:t>ow does it works…</a:t>
+              <a:t>work…</a:t>
             </a:r>
             <a:endParaRPr lang="bg-BG" sz="4000" dirty="0" smtClean="0"/>
           </a:p>
@@ -4011,8 +4027,13 @@
           <a:p>
             <a:r>
               <a:rPr lang="bg-BG" sz="4400" dirty="0" smtClean="0"/>
-              <a:t>How does it works…</a:t>
-            </a:r>
+              <a:t>How does it </a:t>
+            </a:r>
+            <a:r>
+              <a:rPr lang="bg-BG" sz="4400" dirty="0" smtClean="0"/>
+              <a:t>work…</a:t>
+            </a:r>
+            <a:endParaRPr lang="bg-BG" sz="4400" dirty="0" smtClean="0"/>
           </a:p>
         </p:txBody>
       </p:sp>
@@ -4156,85 +4177,49 @@
           <a:p>
             <a:r>
               <a:rPr lang="bg-BG" dirty="0" smtClean="0"/>
-              <a:t>Васил </a:t>
-            </a:r>
+              <a:t>Васил Динев</a:t>
+            </a:r>
+          </a:p>
+          <a:p>
             <a:r>
               <a:rPr lang="bg-BG" dirty="0" smtClean="0"/>
-              <a:t>Динев</a:t>
+              <a:t>Константин Попов</a:t>
             </a:r>
           </a:p>
           <a:p>
             <a:r>
               <a:rPr lang="bg-BG" dirty="0" smtClean="0"/>
-              <a:t>Константин </a:t>
-            </a:r>
+              <a:t>Мария Качарава</a:t>
+            </a:r>
+          </a:p>
+          <a:p>
             <a:r>
               <a:rPr lang="bg-BG" dirty="0" smtClean="0"/>
-              <a:t>Попов</a:t>
+              <a:t>Кристиян Терзиев</a:t>
             </a:r>
           </a:p>
           <a:p>
             <a:r>
               <a:rPr lang="bg-BG" dirty="0" smtClean="0"/>
-              <a:t>Мария </a:t>
-            </a:r>
+              <a:t> Александър Марков</a:t>
+            </a:r>
+          </a:p>
+          <a:p>
             <a:r>
               <a:rPr lang="bg-BG" dirty="0" smtClean="0"/>
-              <a:t>Качарава</a:t>
+              <a:t> Ивайло Петров</a:t>
             </a:r>
           </a:p>
           <a:p>
             <a:r>
               <a:rPr lang="bg-BG" dirty="0" smtClean="0"/>
-              <a:t>Кристиян </a:t>
-            </a:r>
+              <a:t> Илия Беличев</a:t>
+            </a:r>
+          </a:p>
+          <a:p>
             <a:r>
               <a:rPr lang="bg-BG" dirty="0" smtClean="0"/>
-              <a:t>Терзиев</a:t>
-            </a:r>
-          </a:p>
-          <a:p>
-            <a:r>
-              <a:rPr lang="bg-BG" dirty="0" smtClean="0"/>
-              <a:t> </a:t>
-            </a:r>
-            <a:r>
-              <a:rPr lang="bg-BG" dirty="0" smtClean="0"/>
-              <a:t>Александър Марков</a:t>
-            </a:r>
-          </a:p>
-          <a:p>
-            <a:r>
-              <a:rPr lang="bg-BG" dirty="0" smtClean="0"/>
-              <a:t> </a:t>
-            </a:r>
-            <a:r>
-              <a:rPr lang="bg-BG" dirty="0" smtClean="0"/>
-              <a:t>Ивайло Петров</a:t>
-            </a:r>
-          </a:p>
-          <a:p>
-            <a:r>
-              <a:rPr lang="bg-BG" dirty="0" smtClean="0"/>
-              <a:t> </a:t>
-            </a:r>
-            <a:r>
-              <a:rPr lang="bg-BG" dirty="0" smtClean="0"/>
-              <a:t>Илия Беличев</a:t>
-            </a:r>
-          </a:p>
-          <a:p>
-            <a:r>
-              <a:rPr lang="bg-BG" dirty="0" smtClean="0"/>
-              <a:t> </a:t>
-            </a:r>
-            <a:r>
-              <a:rPr lang="bg-BG" dirty="0" smtClean="0"/>
-              <a:t>Димитър </a:t>
-            </a:r>
-            <a:r>
-              <a:rPr lang="bg-BG" dirty="0" smtClean="0"/>
-              <a:t>Гайдарджиев</a:t>
+              <a:t> Димитър Гайдарджиев</a:t>
             </a:r>
           </a:p>
           <a:p>

--- a/Blueberry Presentation.pptx
+++ b/Blueberry Presentation.pptx
@@ -3416,7 +3416,59 @@
                 <a:latin typeface="Times New Roman" pitchFamily="18" charset="0"/>
                 <a:cs typeface="Times New Roman" pitchFamily="18" charset="0"/>
               </a:rPr>
-              <a:t>Just Atoms (Blueberries)</a:t>
+              <a:t>Just </a:t>
+            </a:r>
+            <a:r>
+              <a:rPr lang="bg-BG" sz="7200" b="1" i="1" dirty="0">
+                <a:solidFill>
+                  <a:schemeClr val="accent6">
+                    <a:lumMod val="40000"/>
+                    <a:lumOff val="60000"/>
+                  </a:schemeClr>
+                </a:solidFill>
+                <a:latin typeface="Times New Roman" pitchFamily="18" charset="0"/>
+                <a:cs typeface="Times New Roman" pitchFamily="18" charset="0"/>
+              </a:rPr>
+              <a:t>Blueberries </a:t>
+            </a:r>
+            <a:r>
+              <a:rPr lang="bg-BG" sz="7200" b="1" i="1" dirty="0" smtClean="0">
+                <a:solidFill>
+                  <a:schemeClr val="accent6">
+                    <a:lumMod val="40000"/>
+                    <a:lumOff val="60000"/>
+                  </a:schemeClr>
+                </a:solidFill>
+                <a:latin typeface="Times New Roman" pitchFamily="18" charset="0"/>
+                <a:cs typeface="Times New Roman" pitchFamily="18" charset="0"/>
+              </a:rPr>
+              <a:t>(</a:t>
+            </a:r>
+            <a:r>
+              <a:rPr lang="bg-BG" sz="7200" b="1" i="1" dirty="0">
+                <a:solidFill>
+                  <a:schemeClr val="accent6">
+                    <a:lumMod val="40000"/>
+                    <a:lumOff val="60000"/>
+                  </a:schemeClr>
+                </a:solidFill>
+                <a:latin typeface="Times New Roman" pitchFamily="18" charset="0"/>
+                <a:cs typeface="Times New Roman" pitchFamily="18" charset="0"/>
+              </a:rPr>
+              <a:t>Atoms</a:t>
+            </a:r>
+            <a:r>
+              <a:rPr lang="bg-BG" sz="7200" b="1" i="1" dirty="0" smtClean="0">
+                <a:solidFill>
+                  <a:schemeClr val="accent6">
+                    <a:lumMod val="40000"/>
+                    <a:lumOff val="60000"/>
+                  </a:schemeClr>
+                </a:solidFill>
+                <a:latin typeface="Times New Roman" pitchFamily="18" charset="0"/>
+                <a:cs typeface="Times New Roman" pitchFamily="18" charset="0"/>
+              </a:rPr>
+              <a:t>)</a:t>
             </a:r>
             <a:r>
               <a:rPr lang="bg-BG" b="1" i="1" dirty="0" smtClean="0">
@@ -3504,8 +3556,16 @@
           <a:lstStyle/>
           <a:p>
             <a:r>
-              <a:rPr smtClean="0"/>
-              <a:t>"Blueberries are essential for our health. One must never underestimate the power of the blueberries. After all, they give us an absolutely delicious ice-cream. Meow."</a:t>
+              <a:rPr dirty="0" smtClean="0"/>
+              <a:t>"Blueberries are essential for our health. One must never underestimate the power of the blueberries. After all, they give us an absolutely delicious ice-cream</a:t>
+            </a:r>
+            <a:r>
+              <a:rPr dirty="0" smtClean="0"/>
+              <a:t>. Cats love ice-cream. </a:t>
+            </a:r>
+            <a:r>
+              <a:rPr dirty="0" smtClean="0"/>
+              <a:t>Meow."</a:t>
             </a:r>
             <a:endParaRPr lang="bg-BG" dirty="0"/>
           </a:p>
@@ -3771,16 +3831,16 @@
         </p:nvSpPr>
         <p:spPr>
           <a:xfrm>
-            <a:off x="-1643106" y="5286388"/>
-            <a:ext cx="8305800" cy="1143008"/>
-          </a:xfrm>
-        </p:spPr>
-        <p:txBody>
-          <a:bodyPr/>
-          <a:lstStyle/>
-          <a:p>
-            <a:r>
-              <a:rPr lang="bg-BG" sz="4000" dirty="0" smtClean="0">
+            <a:off x="107504" y="4468285"/>
+            <a:ext cx="4750248" cy="2273083"/>
+          </a:xfrm>
+        </p:spPr>
+        <p:txBody>
+          <a:bodyPr/>
+          <a:lstStyle/>
+          <a:p>
+            <a:r>
+              <a:rPr lang="en-US" sz="3600" dirty="0" smtClean="0">
                 <a:solidFill>
                   <a:schemeClr val="bg1">
                     <a:lumMod val="50000"/>
@@ -3788,9 +3848,20 @@
                   </a:schemeClr>
                 </a:solidFill>
               </a:rPr>
-              <a:t>Just some pictures</a:t>
-            </a:r>
-            <a:endParaRPr lang="bg-BG" sz="4000" dirty="0">
+              <a:t>Start Screen and a bit of constants for background. Because </a:t>
+            </a:r>
+            <a:r>
+              <a:rPr lang="en-US" sz="3600" dirty="0" smtClean="0">
+                <a:solidFill>
+                  <a:schemeClr val="bg1">
+                    <a:lumMod val="50000"/>
+                    <a:lumOff val="50000"/>
+                  </a:schemeClr>
+                </a:solidFill>
+              </a:rPr>
+              <a:t>beautiful, that’s why.</a:t>
+            </a:r>
+            <a:endParaRPr lang="bg-BG" sz="3600" dirty="0">
               <a:solidFill>
                 <a:schemeClr val="bg1">
                   <a:lumMod val="50000"/>
@@ -3872,25 +3943,33 @@
         </p:nvSpPr>
         <p:spPr>
           <a:xfrm>
-            <a:off x="1928794" y="0"/>
+            <a:off x="1042990" y="0"/>
             <a:ext cx="7567610" cy="984736"/>
           </a:xfrm>
         </p:spPr>
         <p:txBody>
-          <a:bodyPr/>
-          <a:lstStyle/>
-          <a:p>
+          <a:bodyPr>
+            <a:normAutofit fontScale="85000" lnSpcReduction="20000"/>
+          </a:bodyPr>
+          <a:lstStyle/>
+          <a:p>
+            <a:pPr algn="ctr"/>
             <a:r>
               <a:rPr lang="bg-BG" sz="4000" dirty="0" smtClean="0"/>
-              <a:t>How does it </a:t>
+              <a:t>How does it work</a:t>
             </a:r>
             <a:r>
               <a:rPr lang="bg-BG" sz="4000" dirty="0" smtClean="0"/>
-              <a:t>work…</a:t>
+              <a:t>…</a:t>
+            </a:r>
+            <a:r>
+              <a:rPr lang="en-US" sz="4000" dirty="0" smtClean="0"/>
+              <a:t> some middle-stages pictures.</a:t>
             </a:r>
             <a:endParaRPr lang="bg-BG" sz="4000" dirty="0" smtClean="0"/>
           </a:p>
           <a:p>
+            <a:pPr algn="ctr"/>
             <a:endParaRPr lang="bg-BG" dirty="0"/>
           </a:p>
         </p:txBody>
@@ -4003,40 +4082,6 @@
           <a:chExt cx="0" cy="0"/>
         </a:xfrm>
       </p:grpSpPr>
-      <p:sp>
-        <p:nvSpPr>
-          <p:cNvPr id="3" name="Title 2"/>
-          <p:cNvSpPr>
-            <a:spLocks noGrp="1"/>
-          </p:cNvSpPr>
-          <p:nvPr>
-            <p:ph type="title"/>
-          </p:nvPr>
-        </p:nvSpPr>
-        <p:spPr>
-          <a:xfrm>
-            <a:off x="2143108" y="0"/>
-            <a:ext cx="6143668" cy="719134"/>
-          </a:xfrm>
-        </p:spPr>
-        <p:txBody>
-          <a:bodyPr>
-            <a:normAutofit fontScale="90000"/>
-          </a:bodyPr>
-          <a:lstStyle/>
-          <a:p>
-            <a:r>
-              <a:rPr lang="bg-BG" sz="4400" dirty="0" smtClean="0"/>
-              <a:t>How does it </a:t>
-            </a:r>
-            <a:r>
-              <a:rPr lang="bg-BG" sz="4400" dirty="0" smtClean="0"/>
-              <a:t>work…</a:t>
-            </a:r>
-            <a:endParaRPr lang="bg-BG" sz="4400" dirty="0" smtClean="0"/>
-          </a:p>
-        </p:txBody>
-      </p:sp>
       <p:pic>
         <p:nvPicPr>
           <p:cNvPr id="4" name="Picture 3" descr="console 3.jpg"/>
@@ -4053,7 +4098,7 @@
         </p:blipFill>
         <p:spPr>
           <a:xfrm>
-            <a:off x="0" y="857233"/>
+            <a:off x="0" y="404664"/>
             <a:ext cx="4714876" cy="6000768"/>
           </a:xfrm>
           <a:prstGeom prst="rect">
@@ -4077,7 +4122,7 @@
         </p:blipFill>
         <p:spPr>
           <a:xfrm>
-            <a:off x="4643438" y="857232"/>
+            <a:off x="4643438" y="408290"/>
             <a:ext cx="4500562" cy="6000768"/>
           </a:xfrm>
           <a:prstGeom prst="rect">
